--- a/Group4 Project on Banking.pptx
+++ b/Group4 Project on Banking.pptx
@@ -20,6 +20,7 @@
     <p:sldId id="279" r:id="rId14"/>
     <p:sldId id="274" r:id="rId15"/>
     <p:sldId id="270" r:id="rId16"/>
+    <p:sldId id="280" r:id="rId17"/>
   </p:sldIdLst>
   <p:sldSz cx="9144000" cy="6858000" type="screen4x3"/>
   <p:notesSz cx="6858000" cy="9144000"/>
@@ -654,7 +655,7 @@
             <a:fld id="{1D8BD707-D9CF-40AE-B4C6-C98DA3205C09}" type="datetimeFigureOut">
               <a:rPr lang="en-US" smtClean="0"/>
               <a:pPr/>
-              <a:t>12/14/2020</a:t>
+              <a:t>12/15/2020</a:t>
             </a:fld>
             <a:endParaRPr lang="en-US"/>
           </a:p>
@@ -756,7 +757,7 @@
           </a:ln>
           <a:extLst>
             <a:ext uri="{91240B29-F687-4f45-9708-019B960494DF}">
-              <a14:hiddenLine xmlns="" xmlns:a14="http://schemas.microsoft.com/office/drawing/2010/main" w="9525">
+              <a14:hiddenLine xmlns:a14="http://schemas.microsoft.com/office/drawing/2010/main" xmlns="" w="9525">
                 <a:solidFill>
                   <a:srgbClr val="000000"/>
                 </a:solidFill>
@@ -811,7 +812,7 @@
           </a:ln>
           <a:extLst>
             <a:ext uri="{91240B29-F687-4f45-9708-019B960494DF}">
-              <a14:hiddenLine xmlns="" xmlns:a14="http://schemas.microsoft.com/office/drawing/2010/main" w="9525">
+              <a14:hiddenLine xmlns:a14="http://schemas.microsoft.com/office/drawing/2010/main" xmlns="" w="9525">
                 <a:solidFill>
                   <a:srgbClr val="000000"/>
                 </a:solidFill>
@@ -1067,7 +1068,7 @@
             <a:fld id="{1D8BD707-D9CF-40AE-B4C6-C98DA3205C09}" type="datetimeFigureOut">
               <a:rPr lang="en-US" smtClean="0"/>
               <a:pPr/>
-              <a:t>12/14/2020</a:t>
+              <a:t>12/15/2020</a:t>
             </a:fld>
             <a:endParaRPr lang="en-US"/>
           </a:p>
@@ -1317,7 +1318,7 @@
             <a:fld id="{1D8BD707-D9CF-40AE-B4C6-C98DA3205C09}" type="datetimeFigureOut">
               <a:rPr lang="en-US" smtClean="0"/>
               <a:pPr/>
-              <a:t>12/14/2020</a:t>
+              <a:t>12/15/2020</a:t>
             </a:fld>
             <a:endParaRPr lang="en-US"/>
           </a:p>
@@ -1859,7 +1860,7 @@
             <a:fld id="{1D8BD707-D9CF-40AE-B4C6-C98DA3205C09}" type="datetimeFigureOut">
               <a:rPr lang="en-US" smtClean="0"/>
               <a:pPr/>
-              <a:t>12/14/2020</a:t>
+              <a:t>12/15/2020</a:t>
             </a:fld>
             <a:endParaRPr lang="en-US"/>
           </a:p>
@@ -2109,7 +2110,7 @@
             <a:fld id="{1D8BD707-D9CF-40AE-B4C6-C98DA3205C09}" type="datetimeFigureOut">
               <a:rPr lang="en-US" smtClean="0"/>
               <a:pPr/>
-              <a:t>12/14/2020</a:t>
+              <a:t>12/15/2020</a:t>
             </a:fld>
             <a:endParaRPr lang="en-US"/>
           </a:p>
@@ -2643,7 +2644,7 @@
             <a:fld id="{1D8BD707-D9CF-40AE-B4C6-C98DA3205C09}" type="datetimeFigureOut">
               <a:rPr lang="en-US" smtClean="0"/>
               <a:pPr/>
-              <a:t>12/14/2020</a:t>
+              <a:t>12/15/2020</a:t>
             </a:fld>
             <a:endParaRPr lang="en-US"/>
           </a:p>
@@ -2942,7 +2943,7 @@
             <a:fld id="{1D8BD707-D9CF-40AE-B4C6-C98DA3205C09}" type="datetimeFigureOut">
               <a:rPr lang="en-US" smtClean="0"/>
               <a:pPr/>
-              <a:t>12/14/2020</a:t>
+              <a:t>12/15/2020</a:t>
             </a:fld>
             <a:endParaRPr lang="en-US"/>
           </a:p>
@@ -3118,7 +3119,7 @@
             <a:fld id="{1D8BD707-D9CF-40AE-B4C6-C98DA3205C09}" type="datetimeFigureOut">
               <a:rPr lang="en-US" smtClean="0"/>
               <a:pPr/>
-              <a:t>12/14/2020</a:t>
+              <a:t>12/15/2020</a:t>
             </a:fld>
             <a:endParaRPr lang="en-US"/>
           </a:p>
@@ -3300,7 +3301,7 @@
             <a:fld id="{1D8BD707-D9CF-40AE-B4C6-C98DA3205C09}" type="datetimeFigureOut">
               <a:rPr lang="en-US" smtClean="0"/>
               <a:pPr/>
-              <a:t>12/14/2020</a:t>
+              <a:t>12/15/2020</a:t>
             </a:fld>
             <a:endParaRPr lang="en-US"/>
           </a:p>
@@ -3487,7 +3488,7 @@
             <a:fld id="{1D8BD707-D9CF-40AE-B4C6-C98DA3205C09}" type="datetimeFigureOut">
               <a:rPr lang="en-US" smtClean="0"/>
               <a:pPr/>
-              <a:t>12/14/2020</a:t>
+              <a:t>12/15/2020</a:t>
             </a:fld>
             <a:endParaRPr lang="en-US"/>
           </a:p>
@@ -3745,7 +3746,7 @@
             <a:fld id="{1D8BD707-D9CF-40AE-B4C6-C98DA3205C09}" type="datetimeFigureOut">
               <a:rPr lang="en-US" smtClean="0"/>
               <a:pPr/>
-              <a:t>12/14/2020</a:t>
+              <a:t>12/15/2020</a:t>
             </a:fld>
             <a:endParaRPr lang="en-US"/>
           </a:p>
@@ -4049,7 +4050,7 @@
             <a:fld id="{1D8BD707-D9CF-40AE-B4C6-C98DA3205C09}" type="datetimeFigureOut">
               <a:rPr lang="en-US" smtClean="0"/>
               <a:pPr/>
-              <a:t>12/14/2020</a:t>
+              <a:t>12/15/2020</a:t>
             </a:fld>
             <a:endParaRPr lang="en-US"/>
           </a:p>
@@ -4493,7 +4494,7 @@
             <a:fld id="{1D8BD707-D9CF-40AE-B4C6-C98DA3205C09}" type="datetimeFigureOut">
               <a:rPr lang="en-US" smtClean="0"/>
               <a:pPr/>
-              <a:t>12/14/2020</a:t>
+              <a:t>12/15/2020</a:t>
             </a:fld>
             <a:endParaRPr lang="en-US"/>
           </a:p>
@@ -4613,7 +4614,7 @@
             <a:fld id="{1D8BD707-D9CF-40AE-B4C6-C98DA3205C09}" type="datetimeFigureOut">
               <a:rPr lang="en-US" smtClean="0"/>
               <a:pPr/>
-              <a:t>12/14/2020</a:t>
+              <a:t>12/15/2020</a:t>
             </a:fld>
             <a:endParaRPr lang="en-US"/>
           </a:p>
@@ -4710,7 +4711,7 @@
             <a:fld id="{1D8BD707-D9CF-40AE-B4C6-C98DA3205C09}" type="datetimeFigureOut">
               <a:rPr lang="en-US" smtClean="0"/>
               <a:pPr/>
-              <a:t>12/14/2020</a:t>
+              <a:t>12/15/2020</a:t>
             </a:fld>
             <a:endParaRPr lang="en-US"/>
           </a:p>
@@ -4995,7 +4996,7 @@
             <a:fld id="{1D8BD707-D9CF-40AE-B4C6-C98DA3205C09}" type="datetimeFigureOut">
               <a:rPr lang="en-US" smtClean="0"/>
               <a:pPr/>
-              <a:t>12/14/2020</a:t>
+              <a:t>12/15/2020</a:t>
             </a:fld>
             <a:endParaRPr lang="en-US"/>
           </a:p>
@@ -5288,7 +5289,7 @@
             <a:fld id="{1D8BD707-D9CF-40AE-B4C6-C98DA3205C09}" type="datetimeFigureOut">
               <a:rPr lang="en-US" smtClean="0"/>
               <a:pPr/>
-              <a:t>12/14/2020</a:t>
+              <a:t>12/15/2020</a:t>
             </a:fld>
             <a:endParaRPr lang="en-US"/>
           </a:p>
@@ -5814,7 +5815,7 @@
             <a:fld id="{1D8BD707-D9CF-40AE-B4C6-C98DA3205C09}" type="datetimeFigureOut">
               <a:rPr lang="en-US" smtClean="0"/>
               <a:pPr/>
-              <a:t>12/14/2020</a:t>
+              <a:t>12/15/2020</a:t>
             </a:fld>
             <a:endParaRPr lang="en-US"/>
           </a:p>
@@ -7992,6 +7993,127 @@
 </p:sld>
 </file>
 
+<file path=ppt/slides/slide16.xml><?xml version="1.0" encoding="utf-8"?>
+<p:sld xmlns:a="http://schemas.openxmlformats.org/drawingml/2006/main" xmlns:r="http://schemas.openxmlformats.org/officeDocument/2006/relationships" xmlns:p="http://schemas.openxmlformats.org/presentationml/2006/main" showMasterSp="0">
+  <p:cSld>
+    <p:bg>
+      <p:bgPr>
+        <a:solidFill>
+          <a:schemeClr val="bg1"/>
+        </a:solidFill>
+        <a:effectLst/>
+      </p:bgPr>
+    </p:bg>
+    <p:spTree>
+      <p:nvGrpSpPr>
+        <p:cNvPr id="1" name=""/>
+        <p:cNvGrpSpPr/>
+        <p:nvPr/>
+      </p:nvGrpSpPr>
+      <p:grpSpPr>
+        <a:xfrm>
+          <a:off x="0" y="0"/>
+          <a:ext cx="0" cy="0"/>
+          <a:chOff x="0" y="0"/>
+          <a:chExt cx="0" cy="0"/>
+        </a:xfrm>
+      </p:grpSpPr>
+      <p:pic>
+        <p:nvPicPr>
+          <p:cNvPr id="5" name="slide5" descr="Story4">
+            <a:extLst>
+              <a:ext uri="{FF2B5EF4-FFF2-40B4-BE49-F238E27FC236}">
+                <a16:creationId xmlns:a16="http://schemas.microsoft.com/office/drawing/2014/main" id="{E42EA3CA-F84E-414F-B5EF-F7B190850C3E}"/>
+              </a:ext>
+            </a:extLst>
+          </p:cNvPr>
+          <p:cNvPicPr>
+            <a:picLocks noChangeAspect="1"/>
+          </p:cNvPicPr>
+          <p:nvPr/>
+        </p:nvPicPr>
+        <p:blipFill rotWithShape="1">
+          <a:blip r:embed="rId2">
+            <a:extLst>
+              <a:ext uri="{28A0092B-C50C-407E-A947-70E740481C1C}">
+                <a14:useLocalDpi xmlns:a14="http://schemas.microsoft.com/office/drawing/2010/main" val="0"/>
+              </a:ext>
+            </a:extLst>
+          </a:blip>
+          <a:srcRect t="11852" r="36666"/>
+          <a:stretch/>
+        </p:blipFill>
+        <p:spPr>
+          <a:xfrm>
+            <a:off x="1168046" y="263611"/>
+            <a:ext cx="7731245" cy="6052751"/>
+          </a:xfrm>
+          <a:prstGeom prst="rect">
+            <a:avLst/>
+          </a:prstGeom>
+        </p:spPr>
+      </p:pic>
+      <p:sp>
+        <p:nvSpPr>
+          <p:cNvPr id="2" name="Rectangle 1">
+            <a:extLst>
+              <a:ext uri="{FF2B5EF4-FFF2-40B4-BE49-F238E27FC236}">
+                <a16:creationId xmlns:a16="http://schemas.microsoft.com/office/drawing/2014/main" id="{E4CD354E-8300-4F16-9D45-7B7A43774DBB}"/>
+              </a:ext>
+            </a:extLst>
+          </p:cNvPr>
+          <p:cNvSpPr/>
+          <p:nvPr/>
+        </p:nvSpPr>
+        <p:spPr>
+          <a:xfrm rot="16200000">
+            <a:off x="-1108522" y="2708723"/>
+            <a:ext cx="3445175" cy="923330"/>
+          </a:xfrm>
+          <a:prstGeom prst="rect">
+            <a:avLst/>
+          </a:prstGeom>
+          <a:noFill/>
+        </p:spPr>
+        <p:txBody>
+          <a:bodyPr wrap="none" lIns="91440" tIns="45720" rIns="91440" bIns="45720">
+            <a:spAutoFit/>
+          </a:bodyPr>
+          <a:lstStyle/>
+          <a:p>
+            <a:pPr algn="ctr"/>
+            <a:r>
+              <a:rPr lang="en-US" sz="5400" b="1" cap="none" spc="0" dirty="0">
+                <a:ln w="0"/>
+                <a:solidFill>
+                  <a:schemeClr val="tx1"/>
+                </a:solidFill>
+                <a:effectLst>
+                  <a:outerShdw blurRad="38100" dist="19050" dir="2700000" algn="tl" rotWithShape="0">
+                    <a:schemeClr val="dk1">
+                      <a:alpha val="40000"/>
+                    </a:schemeClr>
+                  </a:outerShdw>
+                </a:effectLst>
+              </a:rPr>
+              <a:t>Conclusion</a:t>
+            </a:r>
+          </a:p>
+        </p:txBody>
+      </p:sp>
+    </p:spTree>
+    <p:extLst>
+      <p:ext uri="{BB962C8B-B14F-4D97-AF65-F5344CB8AC3E}">
+        <p14:creationId xmlns:p14="http://schemas.microsoft.com/office/powerpoint/2010/main" val="95992585"/>
+      </p:ext>
+    </p:extLst>
+  </p:cSld>
+  <p:clrMapOvr>
+    <a:masterClrMapping/>
+  </p:clrMapOvr>
+</p:sld>
+</file>
+
 <file path=ppt/slides/slide2.xml><?xml version="1.0" encoding="utf-8"?>
 <p:sld xmlns:a="http://schemas.openxmlformats.org/drawingml/2006/main" xmlns:r="http://schemas.openxmlformats.org/officeDocument/2006/relationships" xmlns:p="http://schemas.openxmlformats.org/presentationml/2006/main">
   <p:cSld>
@@ -8530,66 +8652,10 @@
           <a:bodyPr/>
           <a:lstStyle/>
           <a:p>
-            <a:pPr>
-              <a:buNone/>
-            </a:pPr>
-            <a:r>
-              <a:rPr lang="en-US" b="1" dirty="0"/>
-              <a:t>What is given?</a:t>
-            </a:r>
-            <a:endParaRPr lang="en-US" dirty="0"/>
-          </a:p>
-          <a:p>
-            <a:r>
-              <a:rPr lang="en-US" b="1" dirty="0"/>
-              <a:t>Source Variables</a:t>
-            </a:r>
-            <a:r>
-              <a:rPr lang="en-US" dirty="0"/>
-              <a:t>: Age, Gender, Balance, Occupation, Holding Period, No of credit transaction.</a:t>
-            </a:r>
-          </a:p>
-          <a:p>
-            <a:r>
-              <a:rPr lang="en-US" b="1" dirty="0"/>
-              <a:t>Target Variables</a:t>
-            </a:r>
-            <a:r>
-              <a:rPr lang="en-US" dirty="0"/>
-              <a:t>:</a:t>
-            </a:r>
-            <a:r>
-              <a:rPr lang="en-US" i="1" dirty="0"/>
-              <a:t> </a:t>
-            </a:r>
-            <a:r>
-              <a:rPr lang="en-US" dirty="0"/>
-              <a:t>Loan Predictor variable is 0 or 1.</a:t>
-            </a:r>
-          </a:p>
-          <a:p>
-            <a:pPr marL="0" indent="0">
-              <a:buNone/>
-            </a:pPr>
-            <a:endParaRPr lang="en-US" dirty="0"/>
-          </a:p>
-          <a:p>
-            <a:pPr>
-              <a:buNone/>
-            </a:pPr>
-            <a:r>
-              <a:rPr lang="en-US" b="1" dirty="0"/>
-              <a:t>What to Do?</a:t>
-            </a:r>
-            <a:endParaRPr lang="en-US" dirty="0"/>
-          </a:p>
-          <a:p>
-            <a:r>
-              <a:rPr lang="en-US" dirty="0"/>
-              <a:t>Predict the interest of customers to take a loan.</a:t>
-            </a:r>
-          </a:p>
-          <a:p>
+            <a:r>
+              <a:rPr lang="en-US"/>
+              <a:t>In order to</a:t>
+            </a:r>
             <a:endParaRPr lang="en-US" dirty="0"/>
           </a:p>
         </p:txBody>
